--- a/docs/lectures/01-Overview.pptx
+++ b/docs/lectures/01-Overview.pptx
@@ -336,7 +336,7 @@
           <a:p>
             <a:fld id="{08BD4FA9-F3CE-45B3-A980-C331C6F1EF65}" type="datetimeFigureOut">
               <a:rPr lang="en-US" smtClean="0"/>
-              <a:t>12/5/2022</a:t>
+              <a:t>12/12/2022</a:t>
             </a:fld>
             <a:endParaRPr lang="en-US"/>
           </a:p>
@@ -501,7 +501,7 @@
           <a:p>
             <a:fld id="{AE868E6B-2B58-4827-9AA6-AB8949EE5698}" type="datetimeFigureOut">
               <a:rPr lang="en-US" smtClean="0"/>
-              <a:t>12/5/2022</a:t>
+              <a:t>12/12/2022</a:t>
             </a:fld>
             <a:endParaRPr lang="en-US"/>
           </a:p>
@@ -1936,7 +1936,7 @@
           <a:p>
             <a:fld id="{EAAD3657-2200-4D14-82C0-10C39B0F0F06}" type="datetime1">
               <a:rPr lang="en-US" smtClean="0"/>
-              <a:t>12/5/2022</a:t>
+              <a:t>12/12/2022</a:t>
             </a:fld>
             <a:endParaRPr lang="en-US"/>
           </a:p>
@@ -2104,7 +2104,7 @@
           <a:p>
             <a:fld id="{11BBAF55-A85E-4993-914E-FC1E5AA7DF24}" type="datetime1">
               <a:rPr lang="en-US" smtClean="0"/>
-              <a:t>12/5/2022</a:t>
+              <a:t>12/12/2022</a:t>
             </a:fld>
             <a:endParaRPr lang="en-US"/>
           </a:p>
@@ -2282,7 +2282,7 @@
           <a:p>
             <a:fld id="{39816E07-E1DB-44A4-A5E5-9F4B54E8C933}" type="datetime1">
               <a:rPr lang="en-US" smtClean="0"/>
-              <a:t>12/5/2022</a:t>
+              <a:t>12/12/2022</a:t>
             </a:fld>
             <a:endParaRPr lang="en-US"/>
           </a:p>
@@ -2467,7 +2467,7 @@
           <a:p>
             <a:fld id="{C2B1AD17-B813-4477-8AFE-B1860CC59113}" type="datetime1">
               <a:rPr lang="en-US" smtClean="0"/>
-              <a:t>12/5/2022</a:t>
+              <a:t>12/12/2022</a:t>
             </a:fld>
             <a:endParaRPr lang="en-US"/>
           </a:p>
@@ -2712,7 +2712,7 @@
           <a:p>
             <a:fld id="{D0975C0D-5C9E-48CC-8D31-F42D19FA8F7A}" type="datetime1">
               <a:rPr lang="en-US" smtClean="0"/>
-              <a:t>12/5/2022</a:t>
+              <a:t>12/12/2022</a:t>
             </a:fld>
             <a:endParaRPr lang="en-US"/>
           </a:p>
@@ -2997,7 +2997,7 @@
           <a:p>
             <a:fld id="{28657551-0F2B-4F09-86FD-F7994CE83DC5}" type="datetime1">
               <a:rPr lang="en-US" smtClean="0"/>
-              <a:t>12/5/2022</a:t>
+              <a:t>12/12/2022</a:t>
             </a:fld>
             <a:endParaRPr lang="en-US"/>
           </a:p>
@@ -3416,7 +3416,7 @@
           <a:p>
             <a:fld id="{3929D2B2-4200-46B9-96C3-02A55D5FAA00}" type="datetime1">
               <a:rPr lang="en-US" smtClean="0"/>
-              <a:t>12/5/2022</a:t>
+              <a:t>12/12/2022</a:t>
             </a:fld>
             <a:endParaRPr lang="en-US"/>
           </a:p>
@@ -3533,7 +3533,7 @@
           <a:p>
             <a:fld id="{41FF7722-74E8-497F-A072-89677A2C2373}" type="datetime1">
               <a:rPr lang="en-US" smtClean="0"/>
-              <a:t>12/5/2022</a:t>
+              <a:t>12/12/2022</a:t>
             </a:fld>
             <a:endParaRPr lang="en-US"/>
           </a:p>
@@ -3628,7 +3628,7 @@
           <a:p>
             <a:fld id="{BD26212E-B46B-426F-AE59-AA326827D9E0}" type="datetime1">
               <a:rPr lang="en-US" smtClean="0"/>
-              <a:t>12/5/2022</a:t>
+              <a:t>12/12/2022</a:t>
             </a:fld>
             <a:endParaRPr lang="en-US"/>
           </a:p>
@@ -3903,7 +3903,7 @@
           <a:p>
             <a:fld id="{FB9B81E8-09EA-4684-A39F-38DE1E49D20C}" type="datetime1">
               <a:rPr lang="en-US" smtClean="0"/>
-              <a:t>12/5/2022</a:t>
+              <a:t>12/12/2022</a:t>
             </a:fld>
             <a:endParaRPr lang="en-US"/>
           </a:p>
@@ -4155,7 +4155,7 @@
           <a:p>
             <a:fld id="{35C5CC5F-056C-4047-9A5C-9F5B4BED129B}" type="datetime1">
               <a:rPr lang="en-US" smtClean="0"/>
-              <a:t>12/5/2022</a:t>
+              <a:t>12/12/2022</a:t>
             </a:fld>
             <a:endParaRPr lang="en-US"/>
           </a:p>
@@ -4369,7 +4369,7 @@
           <a:p>
             <a:fld id="{E8171053-07BD-4A17-AC24-0A22EAA36098}" type="datetime1">
               <a:rPr lang="en-US" smtClean="0"/>
-              <a:t>12/5/2022</a:t>
+              <a:t>12/12/2022</a:t>
             </a:fld>
             <a:endParaRPr lang="en-US"/>
           </a:p>
@@ -9125,6 +9125,18 @@
   <p:clrMapOvr>
     <a:masterClrMapping/>
   </p:clrMapOvr>
+  <mc:AlternateContent xmlns:mc="http://schemas.openxmlformats.org/markup-compatibility/2006">
+    <mc:Choice xmlns:p14="http://schemas.microsoft.com/office/powerpoint/2010/main" Requires="p14">
+      <p:transition spd="slow" p14:dur="2000">
+        <p14:prism isContent="1"/>
+      </p:transition>
+    </mc:Choice>
+    <mc:Fallback>
+      <p:transition spd="slow">
+        <p:fade/>
+      </p:transition>
+    </mc:Fallback>
+  </mc:AlternateContent>
 </p:sld>
 </file>
 
@@ -26261,6 +26273,18 @@
   <p:clrMapOvr>
     <a:masterClrMapping/>
   </p:clrMapOvr>
+  <mc:AlternateContent xmlns:mc="http://schemas.openxmlformats.org/markup-compatibility/2006">
+    <mc:Choice xmlns:p14="http://schemas.microsoft.com/office/powerpoint/2010/main" Requires="p14">
+      <p:transition spd="slow" p14:dur="2000">
+        <p14:prism isContent="1"/>
+      </p:transition>
+    </mc:Choice>
+    <mc:Fallback>
+      <p:transition spd="slow">
+        <p:fade/>
+      </p:transition>
+    </mc:Fallback>
+  </mc:AlternateContent>
 </p:sld>
 </file>
 

--- a/docs/lectures/01-Overview.pptx
+++ b/docs/lectures/01-Overview.pptx
@@ -336,7 +336,7 @@
           <a:p>
             <a:fld id="{08BD4FA9-F3CE-45B3-A980-C331C6F1EF65}" type="datetimeFigureOut">
               <a:rPr lang="en-US" smtClean="0"/>
-              <a:t>12/12/2022</a:t>
+              <a:t>12/16/2022</a:t>
             </a:fld>
             <a:endParaRPr lang="en-US"/>
           </a:p>
@@ -501,7 +501,7 @@
           <a:p>
             <a:fld id="{AE868E6B-2B58-4827-9AA6-AB8949EE5698}" type="datetimeFigureOut">
               <a:rPr lang="en-US" smtClean="0"/>
-              <a:t>12/12/2022</a:t>
+              <a:t>12/16/2022</a:t>
             </a:fld>
             <a:endParaRPr lang="en-US"/>
           </a:p>
@@ -1936,7 +1936,7 @@
           <a:p>
             <a:fld id="{EAAD3657-2200-4D14-82C0-10C39B0F0F06}" type="datetime1">
               <a:rPr lang="en-US" smtClean="0"/>
-              <a:t>12/12/2022</a:t>
+              <a:t>12/16/2022</a:t>
             </a:fld>
             <a:endParaRPr lang="en-US"/>
           </a:p>
@@ -2104,7 +2104,7 @@
           <a:p>
             <a:fld id="{11BBAF55-A85E-4993-914E-FC1E5AA7DF24}" type="datetime1">
               <a:rPr lang="en-US" smtClean="0"/>
-              <a:t>12/12/2022</a:t>
+              <a:t>12/16/2022</a:t>
             </a:fld>
             <a:endParaRPr lang="en-US"/>
           </a:p>
@@ -2282,7 +2282,7 @@
           <a:p>
             <a:fld id="{39816E07-E1DB-44A4-A5E5-9F4B54E8C933}" type="datetime1">
               <a:rPr lang="en-US" smtClean="0"/>
-              <a:t>12/12/2022</a:t>
+              <a:t>12/16/2022</a:t>
             </a:fld>
             <a:endParaRPr lang="en-US"/>
           </a:p>
@@ -2467,7 +2467,7 @@
           <a:p>
             <a:fld id="{C2B1AD17-B813-4477-8AFE-B1860CC59113}" type="datetime1">
               <a:rPr lang="en-US" smtClean="0"/>
-              <a:t>12/12/2022</a:t>
+              <a:t>12/16/2022</a:t>
             </a:fld>
             <a:endParaRPr lang="en-US"/>
           </a:p>
@@ -2712,7 +2712,7 @@
           <a:p>
             <a:fld id="{D0975C0D-5C9E-48CC-8D31-F42D19FA8F7A}" type="datetime1">
               <a:rPr lang="en-US" smtClean="0"/>
-              <a:t>12/12/2022</a:t>
+              <a:t>12/16/2022</a:t>
             </a:fld>
             <a:endParaRPr lang="en-US"/>
           </a:p>
@@ -2997,7 +2997,7 @@
           <a:p>
             <a:fld id="{28657551-0F2B-4F09-86FD-F7994CE83DC5}" type="datetime1">
               <a:rPr lang="en-US" smtClean="0"/>
-              <a:t>12/12/2022</a:t>
+              <a:t>12/16/2022</a:t>
             </a:fld>
             <a:endParaRPr lang="en-US"/>
           </a:p>
@@ -3416,7 +3416,7 @@
           <a:p>
             <a:fld id="{3929D2B2-4200-46B9-96C3-02A55D5FAA00}" type="datetime1">
               <a:rPr lang="en-US" smtClean="0"/>
-              <a:t>12/12/2022</a:t>
+              <a:t>12/16/2022</a:t>
             </a:fld>
             <a:endParaRPr lang="en-US"/>
           </a:p>
@@ -3533,7 +3533,7 @@
           <a:p>
             <a:fld id="{41FF7722-74E8-497F-A072-89677A2C2373}" type="datetime1">
               <a:rPr lang="en-US" smtClean="0"/>
-              <a:t>12/12/2022</a:t>
+              <a:t>12/16/2022</a:t>
             </a:fld>
             <a:endParaRPr lang="en-US"/>
           </a:p>
@@ -3628,7 +3628,7 @@
           <a:p>
             <a:fld id="{BD26212E-B46B-426F-AE59-AA326827D9E0}" type="datetime1">
               <a:rPr lang="en-US" smtClean="0"/>
-              <a:t>12/12/2022</a:t>
+              <a:t>12/16/2022</a:t>
             </a:fld>
             <a:endParaRPr lang="en-US"/>
           </a:p>
@@ -3903,7 +3903,7 @@
           <a:p>
             <a:fld id="{FB9B81E8-09EA-4684-A39F-38DE1E49D20C}" type="datetime1">
               <a:rPr lang="en-US" smtClean="0"/>
-              <a:t>12/12/2022</a:t>
+              <a:t>12/16/2022</a:t>
             </a:fld>
             <a:endParaRPr lang="en-US"/>
           </a:p>
@@ -4155,7 +4155,7 @@
           <a:p>
             <a:fld id="{35C5CC5F-056C-4047-9A5C-9F5B4BED129B}" type="datetime1">
               <a:rPr lang="en-US" smtClean="0"/>
-              <a:t>12/12/2022</a:t>
+              <a:t>12/16/2022</a:t>
             </a:fld>
             <a:endParaRPr lang="en-US"/>
           </a:p>
@@ -4369,7 +4369,7 @@
           <a:p>
             <a:fld id="{E8171053-07BD-4A17-AC24-0A22EAA36098}" type="datetime1">
               <a:rPr lang="en-US" smtClean="0"/>
-              <a:t>12/12/2022</a:t>
+              <a:t>12/16/2022</a:t>
             </a:fld>
             <a:endParaRPr lang="en-US"/>
           </a:p>
@@ -8699,6 +8699,18 @@
   <p:clrMapOvr>
     <a:masterClrMapping/>
   </p:clrMapOvr>
+  <mc:AlternateContent xmlns:mc="http://schemas.openxmlformats.org/markup-compatibility/2006">
+    <mc:Choice xmlns:p14="http://schemas.microsoft.com/office/powerpoint/2010/main" Requires="p14">
+      <p:transition spd="slow" p14:dur="2000">
+        <p14:prism isContent="1"/>
+      </p:transition>
+    </mc:Choice>
+    <mc:Fallback>
+      <p:transition spd="slow">
+        <p:fade/>
+      </p:transition>
+    </mc:Fallback>
+  </mc:AlternateContent>
 </p:sld>
 </file>
 
@@ -9125,13 +9137,13 @@
   <p:clrMapOvr>
     <a:masterClrMapping/>
   </p:clrMapOvr>
-  <mc:AlternateContent xmlns:mc="http://schemas.openxmlformats.org/markup-compatibility/2006">
-    <mc:Choice xmlns:p14="http://schemas.microsoft.com/office/powerpoint/2010/main" Requires="p14">
+  <mc:AlternateContent xmlns:mc="http://schemas.openxmlformats.org/markup-compatibility/2006" xmlns:p14="http://schemas.microsoft.com/office/powerpoint/2010/main">
+    <mc:Choice Requires="p14">
       <p:transition spd="slow" p14:dur="2000">
         <p14:prism isContent="1"/>
       </p:transition>
     </mc:Choice>
-    <mc:Fallback>
+    <mc:Fallback xmlns="">
       <p:transition spd="slow">
         <p:fade/>
       </p:transition>
@@ -26273,13 +26285,13 @@
   <p:clrMapOvr>
     <a:masterClrMapping/>
   </p:clrMapOvr>
-  <mc:AlternateContent xmlns:mc="http://schemas.openxmlformats.org/markup-compatibility/2006">
-    <mc:Choice xmlns:p14="http://schemas.microsoft.com/office/powerpoint/2010/main" Requires="p14">
+  <mc:AlternateContent xmlns:mc="http://schemas.openxmlformats.org/markup-compatibility/2006" xmlns:p14="http://schemas.microsoft.com/office/powerpoint/2010/main">
+    <mc:Choice Requires="p14">
       <p:transition spd="slow" p14:dur="2000">
         <p14:prism isContent="1"/>
       </p:transition>
     </mc:Choice>
-    <mc:Fallback>
+    <mc:Fallback xmlns="">
       <p:transition spd="slow">
         <p:fade/>
       </p:transition>
